--- a/Programacion web extendido/PW_Sesion29.pptx
+++ b/Programacion web extendido/PW_Sesion29.pptx
@@ -227,7 +227,7 @@
           <a:p>
             <a:fld id="{7FF7D7FF-DDC7-474C-8526-899954A31AD1}" type="datetimeFigureOut">
               <a:rPr lang="es-EC" smtClean="0"/>
-              <a:t>2/9/2024</a:t>
+              <a:t>1/10/2024</a:t>
             </a:fld>
             <a:endParaRPr lang="es-EC"/>
           </a:p>
@@ -404,7 +404,7 @@
           <a:p>
             <a:fld id="{A266080D-5226-48DF-A08B-67FADEB85FAB}" type="datetimeFigureOut">
               <a:rPr lang="es-419" smtClean="0"/>
-              <a:t>2/9/2024</a:t>
+              <a:t>1/10/2024</a:t>
             </a:fld>
             <a:endParaRPr lang="es-419"/>
           </a:p>
@@ -803,7 +803,7 @@
           <a:p>
             <a:fld id="{8FEB83C7-CE7D-EE43-931B-A983B2AE7CF3}" type="datetimeFigureOut">
               <a:rPr lang="es-EC" smtClean="0"/>
-              <a:t>2/9/2024</a:t>
+              <a:t>1/10/2024</a:t>
             </a:fld>
             <a:endParaRPr lang="es-EC"/>
           </a:p>
@@ -973,7 +973,7 @@
           <a:p>
             <a:fld id="{8FEB83C7-CE7D-EE43-931B-A983B2AE7CF3}" type="datetimeFigureOut">
               <a:rPr lang="es-EC" smtClean="0"/>
-              <a:t>2/9/2024</a:t>
+              <a:t>1/10/2024</a:t>
             </a:fld>
             <a:endParaRPr lang="es-EC"/>
           </a:p>
@@ -1153,7 +1153,7 @@
           <a:p>
             <a:fld id="{8FEB83C7-CE7D-EE43-931B-A983B2AE7CF3}" type="datetimeFigureOut">
               <a:rPr lang="es-EC" smtClean="0"/>
-              <a:t>2/9/2024</a:t>
+              <a:t>1/10/2024</a:t>
             </a:fld>
             <a:endParaRPr lang="es-EC"/>
           </a:p>
@@ -1545,7 +1545,7 @@
           <a:p>
             <a:fld id="{1D8BD707-D9CF-40AE-B4C6-C98DA3205C09}" type="datetimeFigureOut">
               <a:rPr lang="en-US"/>
-              <a:t>9/2/2024</a:t>
+              <a:t>10/1/2024</a:t>
             </a:fld>
             <a:endParaRPr lang="en-US"/>
           </a:p>
@@ -1756,7 +1756,7 @@
           <a:p>
             <a:fld id="{1D8BD707-D9CF-40AE-B4C6-C98DA3205C09}" type="datetimeFigureOut">
               <a:rPr lang="en-US"/>
-              <a:t>9/2/2024</a:t>
+              <a:t>10/1/2024</a:t>
             </a:fld>
             <a:endParaRPr lang="en-US"/>
           </a:p>
@@ -1980,7 +1980,7 @@
           <a:p>
             <a:fld id="{1D8BD707-D9CF-40AE-B4C6-C98DA3205C09}" type="datetimeFigureOut">
               <a:rPr lang="en-US"/>
-              <a:t>9/2/2024</a:t>
+              <a:t>10/1/2024</a:t>
             </a:fld>
             <a:endParaRPr lang="en-US"/>
           </a:p>
@@ -2168,7 +2168,7 @@
           <a:p>
             <a:fld id="{1D8BD707-D9CF-40AE-B4C6-C98DA3205C09}" type="datetimeFigureOut">
               <a:rPr lang="en-US"/>
-              <a:t>9/2/2024</a:t>
+              <a:t>10/1/2024</a:t>
             </a:fld>
             <a:endParaRPr lang="en-US"/>
           </a:p>
@@ -2292,7 +2292,7 @@
           <a:p>
             <a:fld id="{1D8BD707-D9CF-40AE-B4C6-C98DA3205C09}" type="datetimeFigureOut">
               <a:rPr lang="en-US"/>
-              <a:t>9/2/2024</a:t>
+              <a:t>10/1/2024</a:t>
             </a:fld>
             <a:endParaRPr lang="en-US"/>
           </a:p>
@@ -2452,7 +2452,7 @@
           <a:p>
             <a:fld id="{8FEB83C7-CE7D-EE43-931B-A983B2AE7CF3}" type="datetimeFigureOut">
               <a:rPr lang="es-EC" smtClean="0"/>
-              <a:t>2/9/2024</a:t>
+              <a:t>1/10/2024</a:t>
             </a:fld>
             <a:endParaRPr lang="es-EC"/>
           </a:p>
@@ -2919,7 +2919,7 @@
           <a:p>
             <a:fld id="{8FEB83C7-CE7D-EE43-931B-A983B2AE7CF3}" type="datetimeFigureOut">
               <a:rPr lang="es-EC" smtClean="0"/>
-              <a:t>2/9/2024</a:t>
+              <a:t>1/10/2024</a:t>
             </a:fld>
             <a:endParaRPr lang="es-EC"/>
           </a:p>
@@ -3151,7 +3151,7 @@
           <a:p>
             <a:fld id="{8FEB83C7-CE7D-EE43-931B-A983B2AE7CF3}" type="datetimeFigureOut">
               <a:rPr lang="es-EC" smtClean="0"/>
-              <a:t>2/9/2024</a:t>
+              <a:t>1/10/2024</a:t>
             </a:fld>
             <a:endParaRPr lang="es-EC"/>
           </a:p>
@@ -3518,7 +3518,7 @@
           <a:p>
             <a:fld id="{8FEB83C7-CE7D-EE43-931B-A983B2AE7CF3}" type="datetimeFigureOut">
               <a:rPr lang="es-EC" smtClean="0"/>
-              <a:t>2/9/2024</a:t>
+              <a:t>1/10/2024</a:t>
             </a:fld>
             <a:endParaRPr lang="es-EC"/>
           </a:p>
@@ -3636,7 +3636,7 @@
           <a:p>
             <a:fld id="{8FEB83C7-CE7D-EE43-931B-A983B2AE7CF3}" type="datetimeFigureOut">
               <a:rPr lang="es-EC" smtClean="0"/>
-              <a:t>2/9/2024</a:t>
+              <a:t>1/10/2024</a:t>
             </a:fld>
             <a:endParaRPr lang="es-EC"/>
           </a:p>
@@ -3731,7 +3731,7 @@
           <a:p>
             <a:fld id="{8FEB83C7-CE7D-EE43-931B-A983B2AE7CF3}" type="datetimeFigureOut">
               <a:rPr lang="es-EC" smtClean="0"/>
-              <a:t>2/9/2024</a:t>
+              <a:t>1/10/2024</a:t>
             </a:fld>
             <a:endParaRPr lang="es-EC"/>
           </a:p>
@@ -4008,7 +4008,7 @@
           <a:p>
             <a:fld id="{8FEB83C7-CE7D-EE43-931B-A983B2AE7CF3}" type="datetimeFigureOut">
               <a:rPr lang="es-EC" smtClean="0"/>
-              <a:t>2/9/2024</a:t>
+              <a:t>1/10/2024</a:t>
             </a:fld>
             <a:endParaRPr lang="es-EC"/>
           </a:p>
@@ -4265,7 +4265,7 @@
           <a:p>
             <a:fld id="{8FEB83C7-CE7D-EE43-931B-A983B2AE7CF3}" type="datetimeFigureOut">
               <a:rPr lang="es-EC" smtClean="0"/>
-              <a:t>2/9/2024</a:t>
+              <a:t>1/10/2024</a:t>
             </a:fld>
             <a:endParaRPr lang="es-EC"/>
           </a:p>
@@ -4478,7 +4478,7 @@
           <a:p>
             <a:fld id="{8FEB83C7-CE7D-EE43-931B-A983B2AE7CF3}" type="datetimeFigureOut">
               <a:rPr lang="es-EC" smtClean="0"/>
-              <a:t>2/9/2024</a:t>
+              <a:t>1/10/2024</a:t>
             </a:fld>
             <a:endParaRPr lang="es-EC"/>
           </a:p>
@@ -5042,7 +5042,7 @@
           <a:p>
             <a:fld id="{1D8BD707-D9CF-40AE-B4C6-C98DA3205C09}" type="datetimeFigureOut">
               <a:rPr lang="en-US"/>
-              <a:t>9/2/2024</a:t>
+              <a:t>10/1/2024</a:t>
             </a:fld>
             <a:endParaRPr lang="en-US"/>
           </a:p>
@@ -5394,7 +5394,7 @@
           <a:p>
             <a:fld id="{8FEB83C7-CE7D-EE43-931B-A983B2AE7CF3}" type="datetimeFigureOut">
               <a:rPr lang="es-EC" smtClean="0"/>
-              <a:t>2/9/2024</a:t>
+              <a:t>1/10/2024</a:t>
             </a:fld>
             <a:endParaRPr lang="es-EC"/>
           </a:p>
